--- a/maryland-lecture.pptx
+++ b/maryland-lecture.pptx
@@ -13811,7 +13811,6 @@
               <a:rPr lang="en-US" dirty="0" smtClean="0"/>
               <a:t>University Libraries</a:t>
             </a:r>
-            <a:endParaRPr lang="en-US" dirty="0" smtClean="0"/>
           </a:p>
           <a:p>
             <a:r>
@@ -14444,11 +14443,7 @@
           <a:p>
             <a:r>
               <a:rPr lang="en-US" dirty="0" smtClean="0"/>
-              <a:t>What The Job Really </a:t>
-            </a:r>
-            <a:r>
-              <a:rPr lang="en-US" dirty="0" smtClean="0"/>
-              <a:t>Is</a:t>
+              <a:t>What The Job Really Is</a:t>
             </a:r>
             <a:br>
               <a:rPr lang="en-US" dirty="0" smtClean="0"/>
@@ -16493,11 +16488,7 @@
             <a:pPr lvl="1"/>
             <a:r>
               <a:rPr lang="en-US" dirty="0" smtClean="0"/>
-              <a:t>I </a:t>
-            </a:r>
-            <a:r>
-              <a:rPr lang="en-US" dirty="0" smtClean="0"/>
-              <a:t>think</a:t>
+              <a:t>I think</a:t>
             </a:r>
           </a:p>
         </p:txBody>
@@ -19347,7 +19338,12 @@
             <p:ph type="title"/>
           </p:nvPr>
         </p:nvSpPr>
-        <p:spPr/>
+        <p:spPr>
+          <a:xfrm>
+            <a:off x="1043490" y="228600"/>
+            <a:ext cx="7024744" cy="1143000"/>
+          </a:xfrm>
+        </p:spPr>
         <p:txBody>
           <a:bodyPr/>
           <a:lstStyle/>
@@ -19435,7 +19431,6 @@
               <a:rPr lang="en-US" dirty="0" smtClean="0"/>
               <a:t>Simulations (Genetic Algorithms)</a:t>
             </a:r>
-            <a:endParaRPr lang="en-US" dirty="0" smtClean="0"/>
           </a:p>
           <a:p>
             <a:pPr lvl="1"/>
@@ -19614,8 +19609,8 @@
         </p:blipFill>
         <p:spPr>
           <a:xfrm>
-            <a:off x="1371600" y="1371600"/>
-            <a:ext cx="4286250" cy="3333750"/>
+            <a:off x="228600" y="1676400"/>
+            <a:ext cx="3581400" cy="2785533"/>
           </a:xfrm>
           <a:prstGeom prst="rect">
             <a:avLst/>
@@ -19646,7 +19641,7 @@
         </p:nvSpPr>
         <p:spPr>
           <a:xfrm>
-            <a:off x="533400" y="228600"/>
+            <a:off x="914400" y="304800"/>
             <a:ext cx="8229600" cy="1143000"/>
           </a:xfrm>
         </p:spPr>
@@ -19664,13 +19659,11 @@
       </p:sp>
       <p:pic>
         <p:nvPicPr>
-          <p:cNvPr id="4" name="Content Placeholder 3" descr="guppy.jpg"/>
+          <p:cNvPr id="5" name="Picture 4" descr="trinidad.jpg"/>
           <p:cNvPicPr>
-            <a:picLocks noGrp="1" noChangeAspect="1"/>
+            <a:picLocks noChangeAspect="1"/>
           </p:cNvPicPr>
-          <p:nvPr>
-            <p:ph idx="1"/>
-          </p:nvPr>
+          <p:nvPr/>
         </p:nvPicPr>
         <p:blipFill>
           <a:blip r:embed="rId3" cstate="print"/>
@@ -19680,8 +19673,8 @@
         </p:blipFill>
         <p:spPr>
           <a:xfrm>
-            <a:off x="762000" y="3962400"/>
-            <a:ext cx="5047013" cy="2590800"/>
+            <a:off x="5867400" y="1295400"/>
+            <a:ext cx="3200400" cy="4683252"/>
           </a:xfrm>
           <a:prstGeom prst="rect">
             <a:avLst/>
@@ -19702,11 +19695,13 @@
       </p:pic>
       <p:pic>
         <p:nvPicPr>
-          <p:cNvPr id="5" name="Picture 4" descr="trinidad.jpg"/>
+          <p:cNvPr id="4" name="Content Placeholder 3" descr="guppy.jpg"/>
           <p:cNvPicPr>
-            <a:picLocks noChangeAspect="1"/>
+            <a:picLocks noGrp="1" noChangeAspect="1"/>
           </p:cNvPicPr>
-          <p:nvPr/>
+          <p:nvPr>
+            <p:ph idx="1"/>
+          </p:nvPr>
         </p:nvPicPr>
         <p:blipFill>
           <a:blip r:embed="rId4" cstate="print"/>
@@ -19716,8 +19711,8 @@
         </p:blipFill>
         <p:spPr>
           <a:xfrm>
-            <a:off x="5486400" y="1676400"/>
-            <a:ext cx="3200400" cy="4683252"/>
+            <a:off x="2362200" y="4461933"/>
+            <a:ext cx="4419600" cy="2268728"/>
           </a:xfrm>
           <a:prstGeom prst="rect">
             <a:avLst/>

--- a/maryland-lecture.pptx
+++ b/maryland-lecture.pptx
@@ -15162,13 +15162,7 @@
               <a:rPr lang="en-US" dirty="0" smtClean="0"/>
               <a:t>Projects</a:t>
             </a:r>
-          </a:p>
-          <a:p>
-            <a:r>
-              <a:rPr lang="en-US" dirty="0" smtClean="0"/>
-              <a:t>Skills I Use</a:t>
-            </a:r>
-            <a:endParaRPr lang="en-US" dirty="0"/>
+            <a:endParaRPr lang="en-US" dirty="0" smtClean="0"/>
           </a:p>
         </p:txBody>
       </p:sp>
@@ -15858,7 +15852,12 @@
             <p:ph type="title"/>
           </p:nvPr>
         </p:nvSpPr>
-        <p:spPr/>
+        <p:spPr>
+          <a:xfrm>
+            <a:off x="1066800" y="381000"/>
+            <a:ext cx="7024744" cy="1143000"/>
+          </a:xfrm>
+        </p:spPr>
         <p:txBody>
           <a:bodyPr/>
           <a:lstStyle/>
@@ -15955,6 +15954,21 @@
             <a:off x="228600" y="1676400"/>
             <a:ext cx="3429000" cy="3632415"/>
           </a:xfrm>
+          <a:prstGeom prst="rect">
+            <a:avLst/>
+          </a:prstGeom>
+          <a:ln w="88900" cap="sq" cmpd="thickThin">
+            <a:solidFill>
+              <a:srgbClr val="000000"/>
+            </a:solidFill>
+            <a:prstDash val="solid"/>
+            <a:miter lim="800000"/>
+          </a:ln>
+          <a:effectLst>
+            <a:innerShdw blurRad="76200">
+              <a:srgbClr val="000000"/>
+            </a:innerShdw>
+          </a:effectLst>
         </p:spPr>
       </p:pic>
     </p:spTree>
@@ -16092,6 +16106,21 @@
             <a:off x="4876800" y="1295400"/>
             <a:ext cx="3505200" cy="5037413"/>
           </a:xfrm>
+          <a:prstGeom prst="rect">
+            <a:avLst/>
+          </a:prstGeom>
+          <a:ln w="88900" cap="sq" cmpd="thickThin">
+            <a:solidFill>
+              <a:srgbClr val="000000"/>
+            </a:solidFill>
+            <a:prstDash val="solid"/>
+            <a:miter lim="800000"/>
+          </a:ln>
+          <a:effectLst>
+            <a:innerShdw blurRad="76200">
+              <a:srgbClr val="000000"/>
+            </a:innerShdw>
+          </a:effectLst>
         </p:spPr>
       </p:pic>
     </p:spTree>
@@ -16380,6 +16409,18 @@
           <a:prstGeom prst="rect">
             <a:avLst/>
           </a:prstGeom>
+          <a:ln w="88900" cap="sq" cmpd="thickThin">
+            <a:solidFill>
+              <a:srgbClr val="000000"/>
+            </a:solidFill>
+            <a:prstDash val="solid"/>
+            <a:miter lim="800000"/>
+          </a:ln>
+          <a:effectLst>
+            <a:innerShdw blurRad="76200">
+              <a:srgbClr val="000000"/>
+            </a:innerShdw>
+          </a:effectLst>
         </p:spPr>
       </p:pic>
     </p:spTree>
@@ -16514,6 +16555,21 @@
             <a:off x="4493746" y="2057400"/>
             <a:ext cx="4123765" cy="3505200"/>
           </a:xfrm>
+          <a:prstGeom prst="rect">
+            <a:avLst/>
+          </a:prstGeom>
+          <a:ln w="88900" cap="sq" cmpd="thickThin">
+            <a:solidFill>
+              <a:srgbClr val="000000"/>
+            </a:solidFill>
+            <a:prstDash val="solid"/>
+            <a:miter lim="800000"/>
+          </a:ln>
+          <a:effectLst>
+            <a:innerShdw blurRad="76200">
+              <a:srgbClr val="000000"/>
+            </a:innerShdw>
+          </a:effectLst>
         </p:spPr>
       </p:pic>
       <p:sp>
@@ -19186,7 +19242,12 @@
             <p:ph type="title"/>
           </p:nvPr>
         </p:nvSpPr>
-        <p:spPr/>
+        <p:spPr>
+          <a:xfrm>
+            <a:off x="1066800" y="457200"/>
+            <a:ext cx="7024744" cy="1143000"/>
+          </a:xfrm>
+        </p:spPr>
         <p:txBody>
           <a:bodyPr/>
           <a:lstStyle/>
